--- a/docs/How it works.pptx
+++ b/docs/How it works.pptx
@@ -115,6 +115,11 @@
       </a:defRPr>
     </a:lvl9pPr>
   </p:defaultTextStyle>
+  <p:extLst>
+    <p:ext uri="{EFAFB233-063F-42B5-8137-9DF3F51BA10A}">
+      <p15:sldGuideLst xmlns:p15="http://schemas.microsoft.com/office/powerpoint/2012/main"/>
+    </p:ext>
+  </p:extLst>
 </p:presentation>
 </file>
 
@@ -200,7 +205,7 @@
           <a:p>
             <a:fld id="{24E43AF6-5104-4CDE-B7D1-F9DF21E77FC0}" type="datetimeFigureOut">
               <a:rPr lang="de-AT" smtClean="0"/>
-              <a:t>26.01.2019</a:t>
+              <a:t>27.01.2019</a:t>
             </a:fld>
             <a:endParaRPr lang="de-AT"/>
           </a:p>
@@ -898,7 +903,7 @@
           <a:p>
             <a:fld id="{C5DB840F-7277-485D-BD97-C908BB6D0111}" type="datetimeFigureOut">
               <a:rPr lang="de-AT" smtClean="0"/>
-              <a:t>26.01.2019</a:t>
+              <a:t>27.01.2019</a:t>
             </a:fld>
             <a:endParaRPr lang="de-AT"/>
           </a:p>
@@ -1098,7 +1103,7 @@
           <a:p>
             <a:fld id="{C5DB840F-7277-485D-BD97-C908BB6D0111}" type="datetimeFigureOut">
               <a:rPr lang="de-AT" smtClean="0"/>
-              <a:t>26.01.2019</a:t>
+              <a:t>27.01.2019</a:t>
             </a:fld>
             <a:endParaRPr lang="de-AT"/>
           </a:p>
@@ -1308,7 +1313,7 @@
           <a:p>
             <a:fld id="{C5DB840F-7277-485D-BD97-C908BB6D0111}" type="datetimeFigureOut">
               <a:rPr lang="de-AT" smtClean="0"/>
-              <a:t>26.01.2019</a:t>
+              <a:t>27.01.2019</a:t>
             </a:fld>
             <a:endParaRPr lang="de-AT"/>
           </a:p>
@@ -1508,7 +1513,7 @@
           <a:p>
             <a:fld id="{C5DB840F-7277-485D-BD97-C908BB6D0111}" type="datetimeFigureOut">
               <a:rPr lang="de-AT" smtClean="0"/>
-              <a:t>26.01.2019</a:t>
+              <a:t>27.01.2019</a:t>
             </a:fld>
             <a:endParaRPr lang="de-AT"/>
           </a:p>
@@ -1784,7 +1789,7 @@
           <a:p>
             <a:fld id="{C5DB840F-7277-485D-BD97-C908BB6D0111}" type="datetimeFigureOut">
               <a:rPr lang="de-AT" smtClean="0"/>
-              <a:t>26.01.2019</a:t>
+              <a:t>27.01.2019</a:t>
             </a:fld>
             <a:endParaRPr lang="de-AT"/>
           </a:p>
@@ -2052,7 +2057,7 @@
           <a:p>
             <a:fld id="{C5DB840F-7277-485D-BD97-C908BB6D0111}" type="datetimeFigureOut">
               <a:rPr lang="de-AT" smtClean="0"/>
-              <a:t>26.01.2019</a:t>
+              <a:t>27.01.2019</a:t>
             </a:fld>
             <a:endParaRPr lang="de-AT"/>
           </a:p>
@@ -2467,7 +2472,7 @@
           <a:p>
             <a:fld id="{C5DB840F-7277-485D-BD97-C908BB6D0111}" type="datetimeFigureOut">
               <a:rPr lang="de-AT" smtClean="0"/>
-              <a:t>26.01.2019</a:t>
+              <a:t>27.01.2019</a:t>
             </a:fld>
             <a:endParaRPr lang="de-AT"/>
           </a:p>
@@ -2609,7 +2614,7 @@
           <a:p>
             <a:fld id="{C5DB840F-7277-485D-BD97-C908BB6D0111}" type="datetimeFigureOut">
               <a:rPr lang="de-AT" smtClean="0"/>
-              <a:t>26.01.2019</a:t>
+              <a:t>27.01.2019</a:t>
             </a:fld>
             <a:endParaRPr lang="de-AT"/>
           </a:p>
@@ -2722,7 +2727,7 @@
           <a:p>
             <a:fld id="{C5DB840F-7277-485D-BD97-C908BB6D0111}" type="datetimeFigureOut">
               <a:rPr lang="de-AT" smtClean="0"/>
-              <a:t>26.01.2019</a:t>
+              <a:t>27.01.2019</a:t>
             </a:fld>
             <a:endParaRPr lang="de-AT"/>
           </a:p>
@@ -3035,7 +3040,7 @@
           <a:p>
             <a:fld id="{C5DB840F-7277-485D-BD97-C908BB6D0111}" type="datetimeFigureOut">
               <a:rPr lang="de-AT" smtClean="0"/>
-              <a:t>26.01.2019</a:t>
+              <a:t>27.01.2019</a:t>
             </a:fld>
             <a:endParaRPr lang="de-AT"/>
           </a:p>
@@ -3324,7 +3329,7 @@
           <a:p>
             <a:fld id="{C5DB840F-7277-485D-BD97-C908BB6D0111}" type="datetimeFigureOut">
               <a:rPr lang="de-AT" smtClean="0"/>
-              <a:t>26.01.2019</a:t>
+              <a:t>27.01.2019</a:t>
             </a:fld>
             <a:endParaRPr lang="de-AT"/>
           </a:p>
@@ -3567,7 +3572,7 @@
           <a:p>
             <a:fld id="{C5DB840F-7277-485D-BD97-C908BB6D0111}" type="datetimeFigureOut">
               <a:rPr lang="de-AT" smtClean="0"/>
-              <a:t>26.01.2019</a:t>
+              <a:t>27.01.2019</a:t>
             </a:fld>
             <a:endParaRPr lang="de-AT"/>
           </a:p>
@@ -4088,11 +4093,11 @@
   <p:clrMapOvr>
     <a:masterClrMapping/>
   </p:clrMapOvr>
-  <mc:AlternateContent xmlns:mc="http://schemas.openxmlformats.org/markup-compatibility/2006">
-    <mc:Choice xmlns:p14="http://schemas.microsoft.com/office/powerpoint/2010/main" Requires="p14">
+  <mc:AlternateContent xmlns:mc="http://schemas.openxmlformats.org/markup-compatibility/2006" xmlns:p14="http://schemas.microsoft.com/office/powerpoint/2010/main">
+    <mc:Choice Requires="p14">
       <p:transition spd="slow" p14:dur="2000" advTm="0"/>
     </mc:Choice>
-    <mc:Fallback>
+    <mc:Fallback xmlns="">
       <p:transition spd="slow" advTm="0"/>
     </mc:Fallback>
   </mc:AlternateContent>
@@ -4295,13 +4300,13 @@
   <p:clrMapOvr>
     <a:masterClrMapping/>
   </p:clrMapOvr>
-  <mc:AlternateContent xmlns:mc="http://schemas.openxmlformats.org/markup-compatibility/2006">
-    <mc:Choice xmlns:p159="http://schemas.microsoft.com/office/powerpoint/2015/09/main" Requires="p159">
+  <mc:AlternateContent xmlns:mc="http://schemas.openxmlformats.org/markup-compatibility/2006" xmlns:p159="http://schemas.microsoft.com/office/powerpoint/2015/09/main">
+    <mc:Choice Requires="p159">
       <p:transition xmlns:p14="http://schemas.microsoft.com/office/powerpoint/2010/main" spd="slow" p14:dur="2000">
         <p159:morph option="byObject"/>
       </p:transition>
     </mc:Choice>
-    <mc:Fallback>
+    <mc:Fallback xmlns="">
       <p:transition spd="slow">
         <p:fade/>
       </p:transition>
@@ -4738,13 +4743,13 @@
   <p:clrMapOvr>
     <a:masterClrMapping/>
   </p:clrMapOvr>
-  <mc:AlternateContent xmlns:mc="http://schemas.openxmlformats.org/markup-compatibility/2006">
-    <mc:Choice xmlns:p159="http://schemas.microsoft.com/office/powerpoint/2015/09/main" Requires="p159">
+  <mc:AlternateContent xmlns:mc="http://schemas.openxmlformats.org/markup-compatibility/2006" xmlns:p159="http://schemas.microsoft.com/office/powerpoint/2015/09/main">
+    <mc:Choice Requires="p159">
       <p:transition xmlns:p14="http://schemas.microsoft.com/office/powerpoint/2010/main" spd="slow" p14:dur="2000">
         <p159:morph option="byObject"/>
       </p:transition>
     </mc:Choice>
-    <mc:Fallback>
+    <mc:Fallback xmlns="">
       <p:transition spd="slow">
         <p:fade/>
       </p:transition>
@@ -5599,13 +5604,13 @@
   <p:clrMapOvr>
     <a:masterClrMapping/>
   </p:clrMapOvr>
-  <mc:AlternateContent xmlns:mc="http://schemas.openxmlformats.org/markup-compatibility/2006">
-    <mc:Choice xmlns:p159="http://schemas.microsoft.com/office/powerpoint/2015/09/main" Requires="p159">
+  <mc:AlternateContent xmlns:mc="http://schemas.openxmlformats.org/markup-compatibility/2006" xmlns:p159="http://schemas.microsoft.com/office/powerpoint/2015/09/main">
+    <mc:Choice Requires="p159">
       <p:transition xmlns:p14="http://schemas.microsoft.com/office/powerpoint/2010/main" spd="slow" p14:dur="2000">
         <p159:morph option="byObject"/>
       </p:transition>
     </mc:Choice>
-    <mc:Fallback>
+    <mc:Fallback xmlns="">
       <p:transition spd="slow">
         <p:fade/>
       </p:transition>
@@ -6042,13 +6047,13 @@
   <p:clrMapOvr>
     <a:masterClrMapping/>
   </p:clrMapOvr>
-  <mc:AlternateContent xmlns:mc="http://schemas.openxmlformats.org/markup-compatibility/2006">
-    <mc:Choice xmlns:p159="http://schemas.microsoft.com/office/powerpoint/2015/09/main" Requires="p159">
+  <mc:AlternateContent xmlns:mc="http://schemas.openxmlformats.org/markup-compatibility/2006" xmlns:p159="http://schemas.microsoft.com/office/powerpoint/2015/09/main">
+    <mc:Choice Requires="p159">
       <p:transition xmlns:p14="http://schemas.microsoft.com/office/powerpoint/2010/main" spd="slow" p14:dur="2000">
         <p159:morph option="byObject"/>
       </p:transition>
     </mc:Choice>
-    <mc:Fallback>
+    <mc:Fallback xmlns="">
       <p:transition spd="slow">
         <p:fade/>
       </p:transition>
@@ -6485,13 +6490,13 @@
   <p:clrMapOvr>
     <a:masterClrMapping/>
   </p:clrMapOvr>
-  <mc:AlternateContent xmlns:mc="http://schemas.openxmlformats.org/markup-compatibility/2006">
-    <mc:Choice xmlns:p159="http://schemas.microsoft.com/office/powerpoint/2015/09/main" Requires="p159">
+  <mc:AlternateContent xmlns:mc="http://schemas.openxmlformats.org/markup-compatibility/2006" xmlns:p159="http://schemas.microsoft.com/office/powerpoint/2015/09/main">
+    <mc:Choice Requires="p159">
       <p:transition xmlns:p14="http://schemas.microsoft.com/office/powerpoint/2010/main" spd="slow" p14:dur="2000">
         <p159:morph option="byObject"/>
       </p:transition>
     </mc:Choice>
-    <mc:Fallback>
+    <mc:Fallback xmlns="">
       <p:transition spd="slow">
         <p:fade/>
       </p:transition>
@@ -6928,13 +6933,13 @@
   <p:clrMapOvr>
     <a:masterClrMapping/>
   </p:clrMapOvr>
-  <mc:AlternateContent xmlns:mc="http://schemas.openxmlformats.org/markup-compatibility/2006">
-    <mc:Choice xmlns:p159="http://schemas.microsoft.com/office/powerpoint/2015/09/main" Requires="p159">
+  <mc:AlternateContent xmlns:mc="http://schemas.openxmlformats.org/markup-compatibility/2006" xmlns:p159="http://schemas.microsoft.com/office/powerpoint/2015/09/main">
+    <mc:Choice Requires="p159">
       <p:transition xmlns:p14="http://schemas.microsoft.com/office/powerpoint/2010/main" spd="slow" p14:dur="2000">
         <p159:morph option="byObject"/>
       </p:transition>
     </mc:Choice>
-    <mc:Fallback>
+    <mc:Fallback xmlns="">
       <p:transition spd="slow">
         <p:fade/>
       </p:transition>
@@ -7371,13 +7376,13 @@
   <p:clrMapOvr>
     <a:masterClrMapping/>
   </p:clrMapOvr>
-  <mc:AlternateContent xmlns:mc="http://schemas.openxmlformats.org/markup-compatibility/2006">
-    <mc:Choice xmlns:p159="http://schemas.microsoft.com/office/powerpoint/2015/09/main" Requires="p159">
+  <mc:AlternateContent xmlns:mc="http://schemas.openxmlformats.org/markup-compatibility/2006" xmlns:p159="http://schemas.microsoft.com/office/powerpoint/2015/09/main">
+    <mc:Choice Requires="p159">
       <p:transition xmlns:p14="http://schemas.microsoft.com/office/powerpoint/2010/main" spd="slow" p14:dur="2000">
         <p159:morph option="byObject"/>
       </p:transition>
     </mc:Choice>
-    <mc:Fallback>
+    <mc:Fallback xmlns="">
       <p:transition spd="slow">
         <p:fade/>
       </p:transition>
@@ -7512,8 +7517,21 @@
           <a:p>
             <a:pPr lvl="1"/>
             <a:r>
+              <a:rPr lang="en-US" dirty="0">
+                <a:hlinkClick r:id="rId4"/>
+              </a:rPr>
+              <a:t>https://tomw1808.github.io/charity_receipt/</a:t>
+            </a:r>
+            <a:endParaRPr lang="en-US" dirty="0"/>
+          </a:p>
+          <a:p>
+            <a:pPr lvl="1"/>
+            <a:endParaRPr lang="en-US" dirty="0"/>
+          </a:p>
+          <a:p>
+            <a:r>
               <a:rPr lang="en-US" dirty="0"/>
-              <a:t>https://charity_receipt</a:t>
+              <a:t>Minimum Donation is 0.1 Ether</a:t>
             </a:r>
             <a:endParaRPr lang="de-AT" dirty="0"/>
           </a:p>
@@ -7529,13 +7547,13 @@
   <p:clrMapOvr>
     <a:masterClrMapping/>
   </p:clrMapOvr>
-  <mc:AlternateContent xmlns:mc="http://schemas.openxmlformats.org/markup-compatibility/2006">
-    <mc:Choice xmlns:p159="http://schemas.microsoft.com/office/powerpoint/2015/09/main" Requires="p159">
+  <mc:AlternateContent xmlns:mc="http://schemas.openxmlformats.org/markup-compatibility/2006" xmlns:p159="http://schemas.microsoft.com/office/powerpoint/2015/09/main">
+    <mc:Choice Requires="p159">
       <p:transition xmlns:p14="http://schemas.microsoft.com/office/powerpoint/2010/main" spd="slow" p14:dur="2000">
         <p159:morph option="byObject"/>
       </p:transition>
     </mc:Choice>
-    <mc:Fallback>
+    <mc:Fallback xmlns="">
       <p:transition spd="slow">
         <p:fade/>
       </p:transition>
